--- a/market/market project.pptx
+++ b/market/market project.pptx
@@ -3580,7 +3580,7 @@
         <p:spPr>
           <a:xfrm>
             <a:off x="5940152" y="3068960"/>
-            <a:ext cx="591829" cy="369332"/>
+            <a:ext cx="1108765" cy="369332"/>
           </a:xfrm>
           <a:prstGeom prst="rect">
             <a:avLst/>
@@ -3595,9 +3595,8 @@
           <a:p>
             <a:r>
               <a:rPr lang="en-US" dirty="0" smtClean="0"/>
-              <a:t>user</a:t>
-            </a:r>
-            <a:endParaRPr lang="en-IN" dirty="0"/>
+              <a:t>Employee</a:t>
+            </a:r>
           </a:p>
         </p:txBody>
       </p:sp>
@@ -3691,7 +3690,15 @@
           <a:p>
             <a:r>
               <a:rPr lang="en-US" dirty="0" smtClean="0"/>
-              <a:t>* User can create/generate invoice/</a:t>
+              <a:t>* </a:t>
+            </a:r>
+            <a:r>
+              <a:rPr lang="en-US" dirty="0" smtClean="0"/>
+              <a:t>Employee can </a:t>
+            </a:r>
+            <a:r>
+              <a:rPr lang="en-US" dirty="0" smtClean="0"/>
+              <a:t>create/generate invoice/</a:t>
             </a:r>
           </a:p>
           <a:p>
@@ -3741,7 +3748,11 @@
             <a:pPr algn="ctr"/>
             <a:r>
               <a:rPr lang="en-US" dirty="0" smtClean="0"/>
-              <a:t>Only one admin, 5 users/</a:t>
+              <a:t>Only one admin, 5 </a:t>
+            </a:r>
+            <a:r>
+              <a:rPr lang="en-US" dirty="0" smtClean="0"/>
+              <a:t>employees/</a:t>
             </a:r>
             <a:r>
               <a:rPr lang="en-US" dirty="0" err="1" smtClean="0"/>

--- a/market/market project.pptx
+++ b/market/market project.pptx
@@ -7,6 +7,11 @@
   <p:sldIdLst>
     <p:sldId id="256" r:id="rId2"/>
     <p:sldId id="257" r:id="rId3"/>
+    <p:sldId id="258" r:id="rId4"/>
+    <p:sldId id="259" r:id="rId5"/>
+    <p:sldId id="260" r:id="rId6"/>
+    <p:sldId id="261" r:id="rId7"/>
+    <p:sldId id="262" r:id="rId8"/>
   </p:sldIdLst>
   <p:sldSz cx="9144000" cy="6858000" type="screen4x3"/>
   <p:notesSz cx="6858000" cy="9144000"/>
@@ -3145,7 +3150,7 @@
         <p:spPr>
           <a:xfrm>
             <a:off x="623462" y="2612559"/>
-            <a:ext cx="984308" cy="369332"/>
+            <a:ext cx="1287660" cy="369332"/>
           </a:xfrm>
           <a:prstGeom prst="rect">
             <a:avLst/>
@@ -3160,8 +3165,9 @@
           <a:p>
             <a:r>
               <a:rPr lang="en-US" dirty="0" smtClean="0"/>
-              <a:t>Item List</a:t>
-            </a:r>
+              <a:t>Product List</a:t>
+            </a:r>
+            <a:endParaRPr lang="en-US" dirty="0" smtClean="0"/>
           </a:p>
         </p:txBody>
       </p:sp>
@@ -3331,8 +3337,9 @@
           <a:p>
             <a:r>
               <a:rPr lang="en-US" dirty="0" smtClean="0"/>
-              <a:t>Item list</a:t>
-            </a:r>
+              <a:t>Product list</a:t>
+            </a:r>
+            <a:endParaRPr lang="en-US" dirty="0" smtClean="0"/>
           </a:p>
           <a:p>
             <a:r>
@@ -3710,18 +3717,48 @@
           </a:p>
         </p:txBody>
       </p:sp>
-      <p:sp>
-        <p:nvSpPr>
-          <p:cNvPr id="13" name="Rounded Rectangle 12"/>
+    </p:spTree>
+    <p:extLst>
+      <p:ext uri="{BB962C8B-B14F-4D97-AF65-F5344CB8AC3E}">
+        <p14:creationId xmlns:p14="http://schemas.microsoft.com/office/powerpoint/2010/main" val="2038493221"/>
+      </p:ext>
+    </p:extLst>
+  </p:cSld>
+  <p:clrMapOvr>
+    <a:masterClrMapping/>
+  </p:clrMapOvr>
+</p:sld>
+</file>
+
+<file path=ppt/slides/slide3.xml><?xml version="1.0" encoding="utf-8"?>
+<p:sld xmlns:a="http://schemas.openxmlformats.org/drawingml/2006/main" xmlns:r="http://schemas.openxmlformats.org/officeDocument/2006/relationships" xmlns:p="http://schemas.openxmlformats.org/presentationml/2006/main">
+  <p:cSld>
+    <p:spTree>
+      <p:nvGrpSpPr>
+        <p:cNvPr id="1" name=""/>
+        <p:cNvGrpSpPr/>
+        <p:nvPr/>
+      </p:nvGrpSpPr>
+      <p:grpSpPr>
+        <a:xfrm>
+          <a:off x="0" y="0"/>
+          <a:ext cx="0" cy="0"/>
+          <a:chOff x="0" y="0"/>
+          <a:chExt cx="0" cy="0"/>
+        </a:xfrm>
+      </p:grpSpPr>
+      <p:sp>
+        <p:nvSpPr>
+          <p:cNvPr id="4" name="Rectangle 3"/>
           <p:cNvSpPr/>
           <p:nvPr/>
         </p:nvSpPr>
         <p:spPr>
           <a:xfrm>
-            <a:off x="323528" y="5301208"/>
-            <a:ext cx="8424936" cy="1368152"/>
-          </a:xfrm>
-          <a:prstGeom prst="roundRect">
+            <a:off x="251520" y="476672"/>
+            <a:ext cx="1512168" cy="936104"/>
+          </a:xfrm>
+          <a:prstGeom prst="rect">
             <a:avLst/>
           </a:prstGeom>
         </p:spPr>
@@ -3748,28 +3785,1332 @@
             <a:pPr algn="ctr"/>
             <a:r>
               <a:rPr lang="en-US" dirty="0" smtClean="0"/>
-              <a:t>Only one admin, 5 </a:t>
-            </a:r>
+              <a:t>Admin</a:t>
+            </a:r>
+          </a:p>
+        </p:txBody>
+      </p:sp>
+      <p:sp>
+        <p:nvSpPr>
+          <p:cNvPr id="13" name="Rectangle 12"/>
+          <p:cNvSpPr/>
+          <p:nvPr/>
+        </p:nvSpPr>
+        <p:spPr>
+          <a:xfrm>
+            <a:off x="251520" y="1916832"/>
+            <a:ext cx="1512168" cy="936104"/>
+          </a:xfrm>
+          <a:prstGeom prst="rect">
+            <a:avLst/>
+          </a:prstGeom>
+        </p:spPr>
+        <p:style>
+          <a:lnRef idx="2">
+            <a:schemeClr val="accent1">
+              <a:shade val="50000"/>
+            </a:schemeClr>
+          </a:lnRef>
+          <a:fillRef idx="1">
+            <a:schemeClr val="accent1"/>
+          </a:fillRef>
+          <a:effectRef idx="0">
+            <a:schemeClr val="accent1"/>
+          </a:effectRef>
+          <a:fontRef idx="minor">
+            <a:schemeClr val="lt1"/>
+          </a:fontRef>
+        </p:style>
+        <p:txBody>
+          <a:bodyPr rtlCol="0" anchor="ctr"/>
+          <a:lstStyle/>
+          <a:p>
+            <a:pPr algn="ctr"/>
             <a:r>
               <a:rPr lang="en-US" dirty="0" smtClean="0"/>
-              <a:t>employees/</a:t>
-            </a:r>
+              <a:t>Employee</a:t>
+            </a:r>
+          </a:p>
+        </p:txBody>
+      </p:sp>
+      <p:sp>
+        <p:nvSpPr>
+          <p:cNvPr id="14" name="Rectangle 13"/>
+          <p:cNvSpPr/>
+          <p:nvPr/>
+        </p:nvSpPr>
+        <p:spPr>
+          <a:xfrm>
+            <a:off x="251520" y="3501008"/>
+            <a:ext cx="1512168" cy="936104"/>
+          </a:xfrm>
+          <a:prstGeom prst="rect">
+            <a:avLst/>
+          </a:prstGeom>
+        </p:spPr>
+        <p:style>
+          <a:lnRef idx="2">
+            <a:schemeClr val="accent1">
+              <a:shade val="50000"/>
+            </a:schemeClr>
+          </a:lnRef>
+          <a:fillRef idx="1">
+            <a:schemeClr val="accent1"/>
+          </a:fillRef>
+          <a:effectRef idx="0">
+            <a:schemeClr val="accent1"/>
+          </a:effectRef>
+          <a:fontRef idx="minor">
+            <a:schemeClr val="lt1"/>
+          </a:fontRef>
+        </p:style>
+        <p:txBody>
+          <a:bodyPr rtlCol="0" anchor="ctr"/>
+          <a:lstStyle/>
+          <a:p>
+            <a:pPr algn="ctr"/>
+            <a:r>
+              <a:rPr lang="en-US" dirty="0" smtClean="0"/>
+              <a:t>Customer</a:t>
+            </a:r>
+          </a:p>
+        </p:txBody>
+      </p:sp>
+      <p:sp>
+        <p:nvSpPr>
+          <p:cNvPr id="15" name="Rectangle 14"/>
+          <p:cNvSpPr/>
+          <p:nvPr/>
+        </p:nvSpPr>
+        <p:spPr>
+          <a:xfrm>
+            <a:off x="251520" y="5229200"/>
+            <a:ext cx="1512168" cy="936104"/>
+          </a:xfrm>
+          <a:prstGeom prst="rect">
+            <a:avLst/>
+          </a:prstGeom>
+        </p:spPr>
+        <p:style>
+          <a:lnRef idx="2">
+            <a:schemeClr val="accent1">
+              <a:shade val="50000"/>
+            </a:schemeClr>
+          </a:lnRef>
+          <a:fillRef idx="1">
+            <a:schemeClr val="accent1"/>
+          </a:fillRef>
+          <a:effectRef idx="0">
+            <a:schemeClr val="accent1"/>
+          </a:effectRef>
+          <a:fontRef idx="minor">
+            <a:schemeClr val="lt1"/>
+          </a:fontRef>
+        </p:style>
+        <p:txBody>
+          <a:bodyPr rtlCol="0" anchor="ctr"/>
+          <a:lstStyle/>
+          <a:p>
+            <a:pPr algn="ctr"/>
+            <a:r>
+              <a:rPr lang="en-US" dirty="0" smtClean="0"/>
+              <a:t>Product</a:t>
+            </a:r>
+          </a:p>
+        </p:txBody>
+      </p:sp>
+      <p:cxnSp>
+        <p:nvCxnSpPr>
+          <p:cNvPr id="17" name="Straight Arrow Connector 16"/>
+          <p:cNvCxnSpPr>
+            <a:stCxn id="4" idx="2"/>
+            <a:endCxn id="13" idx="0"/>
+          </p:cNvCxnSpPr>
+          <p:nvPr/>
+        </p:nvCxnSpPr>
+        <p:spPr>
+          <a:xfrm>
+            <a:off x="1007604" y="1412776"/>
+            <a:ext cx="0" cy="504056"/>
+          </a:xfrm>
+          <a:prstGeom prst="straightConnector1">
+            <a:avLst/>
+          </a:prstGeom>
+          <a:ln w="57150">
+            <a:tailEnd type="arrow"/>
+          </a:ln>
+        </p:spPr>
+        <p:style>
+          <a:lnRef idx="1">
+            <a:schemeClr val="accent1"/>
+          </a:lnRef>
+          <a:fillRef idx="0">
+            <a:schemeClr val="accent1"/>
+          </a:fillRef>
+          <a:effectRef idx="0">
+            <a:schemeClr val="accent1"/>
+          </a:effectRef>
+          <a:fontRef idx="minor">
+            <a:schemeClr val="tx1"/>
+          </a:fontRef>
+        </p:style>
+      </p:cxnSp>
+      <p:cxnSp>
+        <p:nvCxnSpPr>
+          <p:cNvPr id="19" name="Straight Arrow Connector 18"/>
+          <p:cNvCxnSpPr>
+            <a:stCxn id="13" idx="2"/>
+            <a:endCxn id="14" idx="0"/>
+          </p:cNvCxnSpPr>
+          <p:nvPr/>
+        </p:nvCxnSpPr>
+        <p:spPr>
+          <a:xfrm>
+            <a:off x="1007604" y="2852936"/>
+            <a:ext cx="0" cy="648072"/>
+          </a:xfrm>
+          <a:prstGeom prst="straightConnector1">
+            <a:avLst/>
+          </a:prstGeom>
+          <a:ln w="57150">
+            <a:tailEnd type="arrow"/>
+          </a:ln>
+        </p:spPr>
+        <p:style>
+          <a:lnRef idx="1">
+            <a:schemeClr val="accent1"/>
+          </a:lnRef>
+          <a:fillRef idx="0">
+            <a:schemeClr val="accent1"/>
+          </a:fillRef>
+          <a:effectRef idx="0">
+            <a:schemeClr val="accent1"/>
+          </a:effectRef>
+          <a:fontRef idx="minor">
+            <a:schemeClr val="tx1"/>
+          </a:fontRef>
+        </p:style>
+      </p:cxnSp>
+      <p:cxnSp>
+        <p:nvCxnSpPr>
+          <p:cNvPr id="22" name="Straight Arrow Connector 21"/>
+          <p:cNvCxnSpPr>
+            <a:stCxn id="14" idx="2"/>
+            <a:endCxn id="15" idx="0"/>
+          </p:cNvCxnSpPr>
+          <p:nvPr/>
+        </p:nvCxnSpPr>
+        <p:spPr>
+          <a:xfrm>
+            <a:off x="1007604" y="4437112"/>
+            <a:ext cx="0" cy="792088"/>
+          </a:xfrm>
+          <a:prstGeom prst="straightConnector1">
+            <a:avLst/>
+          </a:prstGeom>
+          <a:ln w="57150">
+            <a:tailEnd type="arrow"/>
+          </a:ln>
+        </p:spPr>
+        <p:style>
+          <a:lnRef idx="1">
+            <a:schemeClr val="accent1"/>
+          </a:lnRef>
+          <a:fillRef idx="0">
+            <a:schemeClr val="accent1"/>
+          </a:fillRef>
+          <a:effectRef idx="0">
+            <a:schemeClr val="accent1"/>
+          </a:effectRef>
+          <a:fontRef idx="minor">
+            <a:schemeClr val="tx1"/>
+          </a:fontRef>
+        </p:style>
+      </p:cxnSp>
+      <p:sp>
+        <p:nvSpPr>
+          <p:cNvPr id="23" name="Rectangle 22"/>
+          <p:cNvSpPr/>
+          <p:nvPr/>
+        </p:nvSpPr>
+        <p:spPr>
+          <a:xfrm>
+            <a:off x="7020272" y="476672"/>
+            <a:ext cx="1512168" cy="936104"/>
+          </a:xfrm>
+          <a:prstGeom prst="rect">
+            <a:avLst/>
+          </a:prstGeom>
+        </p:spPr>
+        <p:style>
+          <a:lnRef idx="2">
+            <a:schemeClr val="accent1">
+              <a:shade val="50000"/>
+            </a:schemeClr>
+          </a:lnRef>
+          <a:fillRef idx="1">
+            <a:schemeClr val="accent1"/>
+          </a:fillRef>
+          <a:effectRef idx="0">
+            <a:schemeClr val="accent1"/>
+          </a:effectRef>
+          <a:fontRef idx="minor">
+            <a:schemeClr val="lt1"/>
+          </a:fontRef>
+        </p:style>
+        <p:txBody>
+          <a:bodyPr rtlCol="0" anchor="ctr"/>
+          <a:lstStyle/>
+          <a:p>
+            <a:pPr algn="ctr"/>
             <a:r>
               <a:rPr lang="en-US" dirty="0" err="1" smtClean="0"/>
-              <a:t>servicePerson</a:t>
+              <a:t>Admin_DB</a:t>
             </a:r>
             <a:endParaRPr lang="en-US" dirty="0" smtClean="0"/>
           </a:p>
+        </p:txBody>
+      </p:sp>
+      <p:sp>
+        <p:nvSpPr>
+          <p:cNvPr id="24" name="Rectangle 23"/>
+          <p:cNvSpPr/>
+          <p:nvPr/>
+        </p:nvSpPr>
+        <p:spPr>
+          <a:xfrm>
+            <a:off x="7020272" y="1916832"/>
+            <a:ext cx="1512168" cy="936104"/>
+          </a:xfrm>
+          <a:prstGeom prst="rect">
+            <a:avLst/>
+          </a:prstGeom>
+        </p:spPr>
+        <p:style>
+          <a:lnRef idx="2">
+            <a:schemeClr val="accent1">
+              <a:shade val="50000"/>
+            </a:schemeClr>
+          </a:lnRef>
+          <a:fillRef idx="1">
+            <a:schemeClr val="accent1"/>
+          </a:fillRef>
+          <a:effectRef idx="0">
+            <a:schemeClr val="accent1"/>
+          </a:effectRef>
+          <a:fontRef idx="minor">
+            <a:schemeClr val="lt1"/>
+          </a:fontRef>
+        </p:style>
+        <p:txBody>
+          <a:bodyPr rtlCol="0" anchor="ctr"/>
+          <a:lstStyle/>
           <a:p>
             <a:pPr algn="ctr"/>
-            <a:endParaRPr lang="en-IN" dirty="0"/>
-          </a:p>
-        </p:txBody>
-      </p:sp>
+            <a:r>
+              <a:rPr lang="en-US" dirty="0" err="1" smtClean="0"/>
+              <a:t>Employee_DB</a:t>
+            </a:r>
+            <a:endParaRPr lang="en-US" dirty="0" smtClean="0"/>
+          </a:p>
+        </p:txBody>
+      </p:sp>
+      <p:sp>
+        <p:nvSpPr>
+          <p:cNvPr id="25" name="Rectangle 24"/>
+          <p:cNvSpPr/>
+          <p:nvPr/>
+        </p:nvSpPr>
+        <p:spPr>
+          <a:xfrm>
+            <a:off x="7020272" y="3501008"/>
+            <a:ext cx="1512168" cy="936104"/>
+          </a:xfrm>
+          <a:prstGeom prst="rect">
+            <a:avLst/>
+          </a:prstGeom>
+        </p:spPr>
+        <p:style>
+          <a:lnRef idx="2">
+            <a:schemeClr val="accent1">
+              <a:shade val="50000"/>
+            </a:schemeClr>
+          </a:lnRef>
+          <a:fillRef idx="1">
+            <a:schemeClr val="accent1"/>
+          </a:fillRef>
+          <a:effectRef idx="0">
+            <a:schemeClr val="accent1"/>
+          </a:effectRef>
+          <a:fontRef idx="minor">
+            <a:schemeClr val="lt1"/>
+          </a:fontRef>
+        </p:style>
+        <p:txBody>
+          <a:bodyPr rtlCol="0" anchor="ctr"/>
+          <a:lstStyle/>
+          <a:p>
+            <a:pPr algn="ctr"/>
+            <a:r>
+              <a:rPr lang="en-US" dirty="0" err="1" smtClean="0"/>
+              <a:t>Customer_DB</a:t>
+            </a:r>
+            <a:endParaRPr lang="en-US" dirty="0" smtClean="0"/>
+          </a:p>
+        </p:txBody>
+      </p:sp>
+      <p:sp>
+        <p:nvSpPr>
+          <p:cNvPr id="26" name="Rectangle 25"/>
+          <p:cNvSpPr/>
+          <p:nvPr/>
+        </p:nvSpPr>
+        <p:spPr>
+          <a:xfrm>
+            <a:off x="7020272" y="5229200"/>
+            <a:ext cx="1512168" cy="936104"/>
+          </a:xfrm>
+          <a:prstGeom prst="rect">
+            <a:avLst/>
+          </a:prstGeom>
+        </p:spPr>
+        <p:style>
+          <a:lnRef idx="2">
+            <a:schemeClr val="accent1">
+              <a:shade val="50000"/>
+            </a:schemeClr>
+          </a:lnRef>
+          <a:fillRef idx="1">
+            <a:schemeClr val="accent1"/>
+          </a:fillRef>
+          <a:effectRef idx="0">
+            <a:schemeClr val="accent1"/>
+          </a:effectRef>
+          <a:fontRef idx="minor">
+            <a:schemeClr val="lt1"/>
+          </a:fontRef>
+        </p:style>
+        <p:txBody>
+          <a:bodyPr rtlCol="0" anchor="ctr"/>
+          <a:lstStyle/>
+          <a:p>
+            <a:pPr algn="ctr"/>
+            <a:r>
+              <a:rPr lang="en-US" dirty="0" err="1" smtClean="0"/>
+              <a:t>Product_DB</a:t>
+            </a:r>
+            <a:endParaRPr lang="en-US" dirty="0" smtClean="0"/>
+          </a:p>
+        </p:txBody>
+      </p:sp>
+      <p:cxnSp>
+        <p:nvCxnSpPr>
+          <p:cNvPr id="28" name="Straight Arrow Connector 27"/>
+          <p:cNvCxnSpPr>
+            <a:stCxn id="4" idx="3"/>
+            <a:endCxn id="23" idx="1"/>
+          </p:cNvCxnSpPr>
+          <p:nvPr/>
+        </p:nvCxnSpPr>
+        <p:spPr>
+          <a:xfrm>
+            <a:off x="1763688" y="944724"/>
+            <a:ext cx="5256584" cy="0"/>
+          </a:xfrm>
+          <a:prstGeom prst="straightConnector1">
+            <a:avLst/>
+          </a:prstGeom>
+          <a:ln w="57150">
+            <a:tailEnd type="arrow"/>
+          </a:ln>
+        </p:spPr>
+        <p:style>
+          <a:lnRef idx="1">
+            <a:schemeClr val="accent1"/>
+          </a:lnRef>
+          <a:fillRef idx="0">
+            <a:schemeClr val="accent1"/>
+          </a:fillRef>
+          <a:effectRef idx="0">
+            <a:schemeClr val="accent1"/>
+          </a:effectRef>
+          <a:fontRef idx="minor">
+            <a:schemeClr val="tx1"/>
+          </a:fontRef>
+        </p:style>
+      </p:cxnSp>
+      <p:cxnSp>
+        <p:nvCxnSpPr>
+          <p:cNvPr id="30" name="Straight Arrow Connector 29"/>
+          <p:cNvCxnSpPr>
+            <a:stCxn id="4" idx="3"/>
+            <a:endCxn id="24" idx="1"/>
+          </p:cNvCxnSpPr>
+          <p:nvPr/>
+        </p:nvCxnSpPr>
+        <p:spPr>
+          <a:xfrm>
+            <a:off x="1763688" y="944724"/>
+            <a:ext cx="5256584" cy="1440160"/>
+          </a:xfrm>
+          <a:prstGeom prst="straightConnector1">
+            <a:avLst/>
+          </a:prstGeom>
+          <a:ln w="57150">
+            <a:tailEnd type="arrow"/>
+          </a:ln>
+        </p:spPr>
+        <p:style>
+          <a:lnRef idx="1">
+            <a:schemeClr val="accent1"/>
+          </a:lnRef>
+          <a:fillRef idx="0">
+            <a:schemeClr val="accent1"/>
+          </a:fillRef>
+          <a:effectRef idx="0">
+            <a:schemeClr val="accent1"/>
+          </a:effectRef>
+          <a:fontRef idx="minor">
+            <a:schemeClr val="tx1"/>
+          </a:fontRef>
+        </p:style>
+      </p:cxnSp>
+      <p:cxnSp>
+        <p:nvCxnSpPr>
+          <p:cNvPr id="32" name="Straight Arrow Connector 31"/>
+          <p:cNvCxnSpPr>
+            <a:stCxn id="4" idx="3"/>
+            <a:endCxn id="26" idx="1"/>
+          </p:cNvCxnSpPr>
+          <p:nvPr/>
+        </p:nvCxnSpPr>
+        <p:spPr>
+          <a:xfrm>
+            <a:off x="1763688" y="944724"/>
+            <a:ext cx="5256584" cy="4752528"/>
+          </a:xfrm>
+          <a:prstGeom prst="straightConnector1">
+            <a:avLst/>
+          </a:prstGeom>
+          <a:ln w="57150">
+            <a:tailEnd type="arrow"/>
+          </a:ln>
+        </p:spPr>
+        <p:style>
+          <a:lnRef idx="1">
+            <a:schemeClr val="accent1"/>
+          </a:lnRef>
+          <a:fillRef idx="0">
+            <a:schemeClr val="accent1"/>
+          </a:fillRef>
+          <a:effectRef idx="0">
+            <a:schemeClr val="accent1"/>
+          </a:effectRef>
+          <a:fontRef idx="minor">
+            <a:schemeClr val="tx1"/>
+          </a:fontRef>
+        </p:style>
+      </p:cxnSp>
+      <p:cxnSp>
+        <p:nvCxnSpPr>
+          <p:cNvPr id="34" name="Straight Arrow Connector 33"/>
+          <p:cNvCxnSpPr>
+            <a:stCxn id="13" idx="3"/>
+            <a:endCxn id="25" idx="1"/>
+          </p:cNvCxnSpPr>
+          <p:nvPr/>
+        </p:nvCxnSpPr>
+        <p:spPr>
+          <a:xfrm>
+            <a:off x="1763688" y="2384884"/>
+            <a:ext cx="5256584" cy="1584176"/>
+          </a:xfrm>
+          <a:prstGeom prst="straightConnector1">
+            <a:avLst/>
+          </a:prstGeom>
+          <a:ln w="57150">
+            <a:tailEnd type="arrow"/>
+          </a:ln>
+        </p:spPr>
+        <p:style>
+          <a:lnRef idx="1">
+            <a:schemeClr val="accent1"/>
+          </a:lnRef>
+          <a:fillRef idx="0">
+            <a:schemeClr val="accent1"/>
+          </a:fillRef>
+          <a:effectRef idx="0">
+            <a:schemeClr val="accent1"/>
+          </a:effectRef>
+          <a:fontRef idx="minor">
+            <a:schemeClr val="tx1"/>
+          </a:fontRef>
+        </p:style>
+      </p:cxnSp>
+      <p:cxnSp>
+        <p:nvCxnSpPr>
+          <p:cNvPr id="36" name="Straight Arrow Connector 35"/>
+          <p:cNvCxnSpPr>
+            <a:stCxn id="14" idx="3"/>
+            <a:endCxn id="26" idx="1"/>
+          </p:cNvCxnSpPr>
+          <p:nvPr/>
+        </p:nvCxnSpPr>
+        <p:spPr>
+          <a:xfrm>
+            <a:off x="1763688" y="3969060"/>
+            <a:ext cx="5256584" cy="1728192"/>
+          </a:xfrm>
+          <a:prstGeom prst="straightConnector1">
+            <a:avLst/>
+          </a:prstGeom>
+          <a:ln w="57150">
+            <a:tailEnd type="arrow"/>
+          </a:ln>
+        </p:spPr>
+        <p:style>
+          <a:lnRef idx="1">
+            <a:schemeClr val="accent1"/>
+          </a:lnRef>
+          <a:fillRef idx="0">
+            <a:schemeClr val="accent1"/>
+          </a:fillRef>
+          <a:effectRef idx="0">
+            <a:schemeClr val="accent1"/>
+          </a:effectRef>
+          <a:fontRef idx="minor">
+            <a:schemeClr val="tx1"/>
+          </a:fontRef>
+        </p:style>
+      </p:cxnSp>
     </p:spTree>
     <p:extLst>
       <p:ext uri="{BB962C8B-B14F-4D97-AF65-F5344CB8AC3E}">
-        <p14:creationId xmlns:p14="http://schemas.microsoft.com/office/powerpoint/2010/main" val="2038493221"/>
+        <p14:creationId xmlns:p14="http://schemas.microsoft.com/office/powerpoint/2010/main" val="1893876411"/>
+      </p:ext>
+    </p:extLst>
+  </p:cSld>
+  <p:clrMapOvr>
+    <a:masterClrMapping/>
+  </p:clrMapOvr>
+</p:sld>
+</file>
+
+<file path=ppt/slides/slide4.xml><?xml version="1.0" encoding="utf-8"?>
+<p:sld xmlns:a="http://schemas.openxmlformats.org/drawingml/2006/main" xmlns:r="http://schemas.openxmlformats.org/officeDocument/2006/relationships" xmlns:p="http://schemas.openxmlformats.org/presentationml/2006/main">
+  <p:cSld>
+    <p:spTree>
+      <p:nvGrpSpPr>
+        <p:cNvPr id="1" name=""/>
+        <p:cNvGrpSpPr/>
+        <p:nvPr/>
+      </p:nvGrpSpPr>
+      <p:grpSpPr>
+        <a:xfrm>
+          <a:off x="0" y="0"/>
+          <a:ext cx="0" cy="0"/>
+          <a:chOff x="0" y="0"/>
+          <a:chExt cx="0" cy="0"/>
+        </a:xfrm>
+      </p:grpSpPr>
+      <p:sp>
+        <p:nvSpPr>
+          <p:cNvPr id="4" name="Rounded Rectangle 3"/>
+          <p:cNvSpPr/>
+          <p:nvPr/>
+        </p:nvSpPr>
+        <p:spPr>
+          <a:xfrm>
+            <a:off x="755576" y="1340768"/>
+            <a:ext cx="3168352" cy="3456384"/>
+          </a:xfrm>
+          <a:prstGeom prst="roundRect">
+            <a:avLst/>
+          </a:prstGeom>
+        </p:spPr>
+        <p:style>
+          <a:lnRef idx="2">
+            <a:schemeClr val="accent1">
+              <a:shade val="50000"/>
+            </a:schemeClr>
+          </a:lnRef>
+          <a:fillRef idx="1">
+            <a:schemeClr val="accent1"/>
+          </a:fillRef>
+          <a:effectRef idx="0">
+            <a:schemeClr val="accent1"/>
+          </a:effectRef>
+          <a:fontRef idx="minor">
+            <a:schemeClr val="lt1"/>
+          </a:fontRef>
+        </p:style>
+        <p:txBody>
+          <a:bodyPr rtlCol="0" anchor="ctr"/>
+          <a:lstStyle/>
+          <a:p>
+            <a:pPr algn="ctr"/>
+            <a:r>
+              <a:rPr lang="en-US" dirty="0" smtClean="0"/>
+              <a:t>Id</a:t>
+            </a:r>
+          </a:p>
+          <a:p>
+            <a:pPr algn="ctr"/>
+            <a:r>
+              <a:rPr lang="en-US" dirty="0" smtClean="0"/>
+              <a:t>String admin</a:t>
+            </a:r>
+          </a:p>
+          <a:p>
+            <a:pPr algn="ctr"/>
+            <a:r>
+              <a:rPr lang="en-US" dirty="0" smtClean="0"/>
+              <a:t>Employee </a:t>
+            </a:r>
+            <a:r>
+              <a:rPr lang="en-US" dirty="0" err="1" smtClean="0"/>
+              <a:t>employee</a:t>
+            </a:r>
+            <a:endParaRPr lang="en-US" dirty="0" smtClean="0"/>
+          </a:p>
+          <a:p>
+            <a:pPr algn="ctr"/>
+            <a:r>
+              <a:rPr lang="en-US" dirty="0" smtClean="0"/>
+              <a:t>Product[] product</a:t>
+            </a:r>
+            <a:endParaRPr lang="en-IN" dirty="0"/>
+          </a:p>
+        </p:txBody>
+      </p:sp>
+      <p:sp>
+        <p:nvSpPr>
+          <p:cNvPr id="5" name="TextBox 4"/>
+          <p:cNvSpPr txBox="1"/>
+          <p:nvPr/>
+        </p:nvSpPr>
+        <p:spPr>
+          <a:xfrm>
+            <a:off x="1475656" y="5517232"/>
+            <a:ext cx="1317990" cy="369332"/>
+          </a:xfrm>
+          <a:prstGeom prst="rect">
+            <a:avLst/>
+          </a:prstGeom>
+          <a:noFill/>
+        </p:spPr>
+        <p:txBody>
+          <a:bodyPr wrap="none" rtlCol="0">
+            <a:spAutoFit/>
+          </a:bodyPr>
+          <a:lstStyle/>
+          <a:p>
+            <a:r>
+              <a:rPr lang="en-US" dirty="0" smtClean="0"/>
+              <a:t>Admin Class</a:t>
+            </a:r>
+            <a:endParaRPr lang="en-IN" dirty="0"/>
+          </a:p>
+        </p:txBody>
+      </p:sp>
+      <p:sp>
+        <p:nvSpPr>
+          <p:cNvPr id="6" name="TextBox 5"/>
+          <p:cNvSpPr txBox="1"/>
+          <p:nvPr/>
+        </p:nvSpPr>
+        <p:spPr>
+          <a:xfrm>
+            <a:off x="4932040" y="2276872"/>
+            <a:ext cx="2880320" cy="923330"/>
+          </a:xfrm>
+          <a:prstGeom prst="rect">
+            <a:avLst/>
+          </a:prstGeom>
+          <a:noFill/>
+        </p:spPr>
+        <p:txBody>
+          <a:bodyPr wrap="square" rtlCol="0">
+            <a:spAutoFit/>
+          </a:bodyPr>
+          <a:lstStyle/>
+          <a:p>
+            <a:r>
+              <a:rPr lang="en-US" dirty="0" smtClean="0"/>
+              <a:t>Admin can decide discount offer on product</a:t>
+            </a:r>
+          </a:p>
+          <a:p>
+            <a:endParaRPr lang="en-IN" dirty="0"/>
+          </a:p>
+        </p:txBody>
+      </p:sp>
+    </p:spTree>
+    <p:extLst>
+      <p:ext uri="{BB962C8B-B14F-4D97-AF65-F5344CB8AC3E}">
+        <p14:creationId xmlns:p14="http://schemas.microsoft.com/office/powerpoint/2010/main" val="3455856840"/>
+      </p:ext>
+    </p:extLst>
+  </p:cSld>
+  <p:clrMapOvr>
+    <a:masterClrMapping/>
+  </p:clrMapOvr>
+</p:sld>
+</file>
+
+<file path=ppt/slides/slide5.xml><?xml version="1.0" encoding="utf-8"?>
+<p:sld xmlns:a="http://schemas.openxmlformats.org/drawingml/2006/main" xmlns:r="http://schemas.openxmlformats.org/officeDocument/2006/relationships" xmlns:p="http://schemas.openxmlformats.org/presentationml/2006/main">
+  <p:cSld>
+    <p:spTree>
+      <p:nvGrpSpPr>
+        <p:cNvPr id="1" name=""/>
+        <p:cNvGrpSpPr/>
+        <p:nvPr/>
+      </p:nvGrpSpPr>
+      <p:grpSpPr>
+        <a:xfrm>
+          <a:off x="0" y="0"/>
+          <a:ext cx="0" cy="0"/>
+          <a:chOff x="0" y="0"/>
+          <a:chExt cx="0" cy="0"/>
+        </a:xfrm>
+      </p:grpSpPr>
+      <p:sp>
+        <p:nvSpPr>
+          <p:cNvPr id="4" name="Rounded Rectangle 3"/>
+          <p:cNvSpPr/>
+          <p:nvPr/>
+        </p:nvSpPr>
+        <p:spPr>
+          <a:xfrm>
+            <a:off x="755576" y="1124744"/>
+            <a:ext cx="3168352" cy="3456384"/>
+          </a:xfrm>
+          <a:prstGeom prst="roundRect">
+            <a:avLst/>
+          </a:prstGeom>
+        </p:spPr>
+        <p:style>
+          <a:lnRef idx="2">
+            <a:schemeClr val="accent1">
+              <a:shade val="50000"/>
+            </a:schemeClr>
+          </a:lnRef>
+          <a:fillRef idx="1">
+            <a:schemeClr val="accent1"/>
+          </a:fillRef>
+          <a:effectRef idx="0">
+            <a:schemeClr val="accent1"/>
+          </a:effectRef>
+          <a:fontRef idx="minor">
+            <a:schemeClr val="lt1"/>
+          </a:fontRef>
+        </p:style>
+        <p:txBody>
+          <a:bodyPr rtlCol="0" anchor="ctr"/>
+          <a:lstStyle/>
+          <a:p>
+            <a:pPr algn="ctr"/>
+            <a:r>
+              <a:rPr lang="en-US" dirty="0" smtClean="0"/>
+              <a:t>Id</a:t>
+            </a:r>
+          </a:p>
+          <a:p>
+            <a:pPr algn="ctr"/>
+            <a:r>
+              <a:rPr lang="en-US" dirty="0" smtClean="0"/>
+              <a:t>String name</a:t>
+            </a:r>
+          </a:p>
+          <a:p>
+            <a:pPr algn="ctr"/>
+            <a:endParaRPr lang="en-US" dirty="0" smtClean="0"/>
+          </a:p>
+          <a:p>
+            <a:pPr algn="ctr"/>
+            <a:r>
+              <a:rPr lang="en-US" dirty="0" smtClean="0"/>
+              <a:t>@</a:t>
+            </a:r>
+            <a:r>
+              <a:rPr lang="en-US" dirty="0" err="1" smtClean="0"/>
+              <a:t>OneToMany</a:t>
+            </a:r>
+            <a:endParaRPr lang="en-US" dirty="0" smtClean="0"/>
+          </a:p>
+          <a:p>
+            <a:pPr algn="ctr"/>
+            <a:r>
+              <a:rPr lang="en-US" dirty="0" smtClean="0"/>
+              <a:t>Customer </a:t>
+            </a:r>
+            <a:r>
+              <a:rPr lang="en-US" dirty="0" err="1" smtClean="0"/>
+              <a:t>customer</a:t>
+            </a:r>
+            <a:endParaRPr lang="en-IN" dirty="0"/>
+          </a:p>
+        </p:txBody>
+      </p:sp>
+      <p:sp>
+        <p:nvSpPr>
+          <p:cNvPr id="5" name="TextBox 4"/>
+          <p:cNvSpPr txBox="1"/>
+          <p:nvPr/>
+        </p:nvSpPr>
+        <p:spPr>
+          <a:xfrm>
+            <a:off x="1619672" y="5157192"/>
+            <a:ext cx="1628138" cy="369332"/>
+          </a:xfrm>
+          <a:prstGeom prst="rect">
+            <a:avLst/>
+          </a:prstGeom>
+          <a:noFill/>
+        </p:spPr>
+        <p:txBody>
+          <a:bodyPr wrap="none" rtlCol="0">
+            <a:spAutoFit/>
+          </a:bodyPr>
+          <a:lstStyle/>
+          <a:p>
+            <a:r>
+              <a:rPr lang="en-US" dirty="0" smtClean="0"/>
+              <a:t>Employee Class</a:t>
+            </a:r>
+            <a:endParaRPr lang="en-IN" dirty="0"/>
+          </a:p>
+        </p:txBody>
+      </p:sp>
+      <p:sp>
+        <p:nvSpPr>
+          <p:cNvPr id="6" name="TextBox 5"/>
+          <p:cNvSpPr txBox="1"/>
+          <p:nvPr/>
+        </p:nvSpPr>
+        <p:spPr>
+          <a:xfrm>
+            <a:off x="5148064" y="1340768"/>
+            <a:ext cx="4058868" cy="646331"/>
+          </a:xfrm>
+          <a:prstGeom prst="rect">
+            <a:avLst/>
+          </a:prstGeom>
+          <a:noFill/>
+        </p:spPr>
+        <p:txBody>
+          <a:bodyPr wrap="none" rtlCol="0">
+            <a:spAutoFit/>
+          </a:bodyPr>
+          <a:lstStyle/>
+          <a:p>
+            <a:r>
+              <a:rPr lang="en-US" dirty="0" smtClean="0"/>
+              <a:t>One employee can create any number of </a:t>
+            </a:r>
+          </a:p>
+          <a:p>
+            <a:r>
+              <a:rPr lang="en-US" dirty="0" smtClean="0"/>
+              <a:t>customers.</a:t>
+            </a:r>
+            <a:endParaRPr lang="en-IN" dirty="0"/>
+          </a:p>
+        </p:txBody>
+      </p:sp>
+      <p:sp>
+        <p:nvSpPr>
+          <p:cNvPr id="7" name="TextBox 6"/>
+          <p:cNvSpPr txBox="1"/>
+          <p:nvPr/>
+        </p:nvSpPr>
+        <p:spPr>
+          <a:xfrm>
+            <a:off x="5220072" y="3645024"/>
+            <a:ext cx="2880320" cy="923330"/>
+          </a:xfrm>
+          <a:prstGeom prst="rect">
+            <a:avLst/>
+          </a:prstGeom>
+          <a:noFill/>
+        </p:spPr>
+        <p:txBody>
+          <a:bodyPr wrap="square" rtlCol="0">
+            <a:spAutoFit/>
+          </a:bodyPr>
+          <a:lstStyle/>
+          <a:p>
+            <a:r>
+              <a:rPr lang="en-US" dirty="0" smtClean="0"/>
+              <a:t>Employee can decide discount offer on product</a:t>
+            </a:r>
+          </a:p>
+          <a:p>
+            <a:endParaRPr lang="en-IN" dirty="0"/>
+          </a:p>
+        </p:txBody>
+      </p:sp>
+    </p:spTree>
+    <p:extLst>
+      <p:ext uri="{BB962C8B-B14F-4D97-AF65-F5344CB8AC3E}">
+        <p14:creationId xmlns:p14="http://schemas.microsoft.com/office/powerpoint/2010/main" val="1507957380"/>
+      </p:ext>
+    </p:extLst>
+  </p:cSld>
+  <p:clrMapOvr>
+    <a:masterClrMapping/>
+  </p:clrMapOvr>
+</p:sld>
+</file>
+
+<file path=ppt/slides/slide6.xml><?xml version="1.0" encoding="utf-8"?>
+<p:sld xmlns:a="http://schemas.openxmlformats.org/drawingml/2006/main" xmlns:r="http://schemas.openxmlformats.org/officeDocument/2006/relationships" xmlns:p="http://schemas.openxmlformats.org/presentationml/2006/main">
+  <p:cSld>
+    <p:spTree>
+      <p:nvGrpSpPr>
+        <p:cNvPr id="1" name=""/>
+        <p:cNvGrpSpPr/>
+        <p:nvPr/>
+      </p:nvGrpSpPr>
+      <p:grpSpPr>
+        <a:xfrm>
+          <a:off x="0" y="0"/>
+          <a:ext cx="0" cy="0"/>
+          <a:chOff x="0" y="0"/>
+          <a:chExt cx="0" cy="0"/>
+        </a:xfrm>
+      </p:grpSpPr>
+      <p:sp>
+        <p:nvSpPr>
+          <p:cNvPr id="4" name="Rounded Rectangle 3"/>
+          <p:cNvSpPr/>
+          <p:nvPr/>
+        </p:nvSpPr>
+        <p:spPr>
+          <a:xfrm>
+            <a:off x="755576" y="116632"/>
+            <a:ext cx="4392488" cy="4752528"/>
+          </a:xfrm>
+          <a:prstGeom prst="roundRect">
+            <a:avLst/>
+          </a:prstGeom>
+        </p:spPr>
+        <p:style>
+          <a:lnRef idx="2">
+            <a:schemeClr val="accent1">
+              <a:shade val="50000"/>
+            </a:schemeClr>
+          </a:lnRef>
+          <a:fillRef idx="1">
+            <a:schemeClr val="accent1"/>
+          </a:fillRef>
+          <a:effectRef idx="0">
+            <a:schemeClr val="accent1"/>
+          </a:effectRef>
+          <a:fontRef idx="minor">
+            <a:schemeClr val="lt1"/>
+          </a:fontRef>
+        </p:style>
+        <p:txBody>
+          <a:bodyPr rtlCol="0" anchor="ctr"/>
+          <a:lstStyle/>
+          <a:p>
+            <a:r>
+              <a:rPr lang="en-US" dirty="0"/>
+              <a:t>ID (auto generate)</a:t>
+            </a:r>
+          </a:p>
+          <a:p>
+            <a:r>
+              <a:rPr lang="en-US" dirty="0"/>
+              <a:t>Name</a:t>
+            </a:r>
+            <a:endParaRPr lang="en-IN" dirty="0"/>
+          </a:p>
+          <a:p>
+            <a:r>
+              <a:rPr lang="en-US" dirty="0"/>
+              <a:t>Mobile no (unique/not null)</a:t>
+            </a:r>
+          </a:p>
+          <a:p>
+            <a:r>
+              <a:rPr lang="en-US" dirty="0"/>
+              <a:t>Email (optional/send invoice)</a:t>
+            </a:r>
+          </a:p>
+          <a:p>
+            <a:r>
+              <a:rPr lang="en-US" dirty="0"/>
+              <a:t>Unique customer id</a:t>
+            </a:r>
+          </a:p>
+          <a:p>
+            <a:r>
+              <a:rPr lang="en-US" dirty="0"/>
+              <a:t>Payment type (card/cash)</a:t>
+            </a:r>
+          </a:p>
+          <a:p>
+            <a:r>
+              <a:rPr lang="en-US" dirty="0"/>
+              <a:t>Product list</a:t>
+            </a:r>
+          </a:p>
+          <a:p>
+            <a:r>
+              <a:rPr lang="en-US" dirty="0" smtClean="0"/>
+              <a:t>Amount</a:t>
+            </a:r>
+            <a:endParaRPr lang="en-US" dirty="0"/>
+          </a:p>
+          <a:p>
+            <a:r>
+              <a:rPr lang="en-US" dirty="0"/>
+              <a:t>Date</a:t>
+            </a:r>
+          </a:p>
+          <a:p>
+            <a:r>
+              <a:rPr lang="en-US" dirty="0"/>
+              <a:t>File invoice </a:t>
+            </a:r>
+            <a:r>
+              <a:rPr lang="en-US" dirty="0">
+                <a:sym typeface="Wingdings" panose="05000000000000000000" pitchFamily="2" charset="2"/>
+              </a:rPr>
+              <a:t> csv/pdf/excel/text</a:t>
+            </a:r>
+          </a:p>
+          <a:p>
+            <a:r>
+              <a:rPr lang="en-US" dirty="0" smtClean="0">
+                <a:sym typeface="Wingdings" panose="05000000000000000000" pitchFamily="2" charset="2"/>
+              </a:rPr>
+              <a:t>Photo</a:t>
+            </a:r>
+            <a:endParaRPr lang="en-US" dirty="0">
+              <a:sym typeface="Wingdings" panose="05000000000000000000" pitchFamily="2" charset="2"/>
+            </a:endParaRPr>
+          </a:p>
+        </p:txBody>
+      </p:sp>
+      <p:sp>
+        <p:nvSpPr>
+          <p:cNvPr id="5" name="TextBox 4"/>
+          <p:cNvSpPr txBox="1"/>
+          <p:nvPr/>
+        </p:nvSpPr>
+        <p:spPr>
+          <a:xfrm>
+            <a:off x="1907704" y="5219908"/>
+            <a:ext cx="1612942" cy="369332"/>
+          </a:xfrm>
+          <a:prstGeom prst="rect">
+            <a:avLst/>
+          </a:prstGeom>
+          <a:noFill/>
+        </p:spPr>
+        <p:txBody>
+          <a:bodyPr wrap="none" rtlCol="0">
+            <a:spAutoFit/>
+          </a:bodyPr>
+          <a:lstStyle/>
+          <a:p>
+            <a:r>
+              <a:rPr lang="en-US" dirty="0" smtClean="0"/>
+              <a:t>Customer Class</a:t>
+            </a:r>
+            <a:endParaRPr lang="en-IN" dirty="0"/>
+          </a:p>
+        </p:txBody>
+      </p:sp>
+      <p:sp>
+        <p:nvSpPr>
+          <p:cNvPr id="6" name="TextBox 5"/>
+          <p:cNvSpPr txBox="1"/>
+          <p:nvPr/>
+        </p:nvSpPr>
+        <p:spPr>
+          <a:xfrm>
+            <a:off x="6228184" y="1988840"/>
+            <a:ext cx="3142399" cy="1200329"/>
+          </a:xfrm>
+          <a:prstGeom prst="rect">
+            <a:avLst/>
+          </a:prstGeom>
+          <a:noFill/>
+        </p:spPr>
+        <p:txBody>
+          <a:bodyPr wrap="none" rtlCol="0">
+            <a:spAutoFit/>
+          </a:bodyPr>
+          <a:lstStyle/>
+          <a:p>
+            <a:r>
+              <a:rPr lang="en-US" dirty="0" smtClean="0"/>
+              <a:t>Customer can provide detail</a:t>
+            </a:r>
+          </a:p>
+          <a:p>
+            <a:r>
+              <a:rPr lang="en-US" dirty="0" smtClean="0"/>
+              <a:t>Like mobile no, email (optional)</a:t>
+            </a:r>
+          </a:p>
+          <a:p>
+            <a:r>
+              <a:rPr lang="en-US" dirty="0" smtClean="0"/>
+              <a:t>Photo(optional)</a:t>
+            </a:r>
+          </a:p>
+          <a:p>
+            <a:endParaRPr lang="en-IN" dirty="0"/>
+          </a:p>
+        </p:txBody>
+      </p:sp>
+    </p:spTree>
+    <p:extLst>
+      <p:ext uri="{BB962C8B-B14F-4D97-AF65-F5344CB8AC3E}">
+        <p14:creationId xmlns:p14="http://schemas.microsoft.com/office/powerpoint/2010/main" val="2554125770"/>
+      </p:ext>
+    </p:extLst>
+  </p:cSld>
+  <p:clrMapOvr>
+    <a:masterClrMapping/>
+  </p:clrMapOvr>
+</p:sld>
+</file>
+
+<file path=ppt/slides/slide7.xml><?xml version="1.0" encoding="utf-8"?>
+<p:sld xmlns:a="http://schemas.openxmlformats.org/drawingml/2006/main" xmlns:r="http://schemas.openxmlformats.org/officeDocument/2006/relationships" xmlns:p="http://schemas.openxmlformats.org/presentationml/2006/main">
+  <p:cSld>
+    <p:spTree>
+      <p:nvGrpSpPr>
+        <p:cNvPr id="1" name=""/>
+        <p:cNvGrpSpPr/>
+        <p:nvPr/>
+      </p:nvGrpSpPr>
+      <p:grpSpPr>
+        <a:xfrm>
+          <a:off x="0" y="0"/>
+          <a:ext cx="0" cy="0"/>
+          <a:chOff x="0" y="0"/>
+          <a:chExt cx="0" cy="0"/>
+        </a:xfrm>
+      </p:grpSpPr>
+      <p:sp>
+        <p:nvSpPr>
+          <p:cNvPr id="4" name="Rounded Rectangle 3"/>
+          <p:cNvSpPr/>
+          <p:nvPr/>
+        </p:nvSpPr>
+        <p:spPr>
+          <a:xfrm>
+            <a:off x="2915816" y="1556792"/>
+            <a:ext cx="3168352" cy="3456384"/>
+          </a:xfrm>
+          <a:prstGeom prst="roundRect">
+            <a:avLst/>
+          </a:prstGeom>
+        </p:spPr>
+        <p:style>
+          <a:lnRef idx="2">
+            <a:schemeClr val="accent1">
+              <a:shade val="50000"/>
+            </a:schemeClr>
+          </a:lnRef>
+          <a:fillRef idx="1">
+            <a:schemeClr val="accent1"/>
+          </a:fillRef>
+          <a:effectRef idx="0">
+            <a:schemeClr val="accent1"/>
+          </a:effectRef>
+          <a:fontRef idx="minor">
+            <a:schemeClr val="lt1"/>
+          </a:fontRef>
+        </p:style>
+        <p:txBody>
+          <a:bodyPr rtlCol="0" anchor="ctr"/>
+          <a:lstStyle/>
+          <a:p>
+            <a:r>
+              <a:rPr lang="en-US" dirty="0"/>
+              <a:t>id</a:t>
+            </a:r>
+          </a:p>
+          <a:p>
+            <a:r>
+              <a:rPr lang="en-US" dirty="0"/>
+              <a:t>Product Name</a:t>
+            </a:r>
+          </a:p>
+          <a:p>
+            <a:r>
+              <a:rPr lang="en-US" dirty="0"/>
+              <a:t>Product amount</a:t>
+            </a:r>
+          </a:p>
+          <a:p>
+            <a:r>
+              <a:rPr lang="en-US" dirty="0"/>
+              <a:t>Product unique id</a:t>
+            </a:r>
+          </a:p>
+          <a:p>
+            <a:r>
+              <a:rPr lang="en-US" dirty="0"/>
+              <a:t>Product offer </a:t>
+            </a:r>
+            <a:r>
+              <a:rPr lang="en-US" dirty="0" smtClean="0"/>
+              <a:t>price</a:t>
+            </a:r>
+          </a:p>
+          <a:p>
+            <a:r>
+              <a:rPr lang="en-US" dirty="0" smtClean="0"/>
+              <a:t>Discount %</a:t>
+            </a:r>
+            <a:endParaRPr lang="en-IN" dirty="0"/>
+          </a:p>
+        </p:txBody>
+      </p:sp>
+      <p:sp>
+        <p:nvSpPr>
+          <p:cNvPr id="5" name="TextBox 4"/>
+          <p:cNvSpPr txBox="1"/>
+          <p:nvPr/>
+        </p:nvSpPr>
+        <p:spPr>
+          <a:xfrm>
+            <a:off x="3779912" y="5589240"/>
+            <a:ext cx="1439305" cy="369332"/>
+          </a:xfrm>
+          <a:prstGeom prst="rect">
+            <a:avLst/>
+          </a:prstGeom>
+          <a:noFill/>
+        </p:spPr>
+        <p:txBody>
+          <a:bodyPr wrap="none" rtlCol="0">
+            <a:spAutoFit/>
+          </a:bodyPr>
+          <a:lstStyle/>
+          <a:p>
+            <a:r>
+              <a:rPr lang="en-US" dirty="0" smtClean="0"/>
+              <a:t>Product Class</a:t>
+            </a:r>
+            <a:endParaRPr lang="en-IN" dirty="0"/>
+          </a:p>
+        </p:txBody>
+      </p:sp>
+    </p:spTree>
+    <p:extLst>
+      <p:ext uri="{BB962C8B-B14F-4D97-AF65-F5344CB8AC3E}">
+        <p14:creationId xmlns:p14="http://schemas.microsoft.com/office/powerpoint/2010/main" val="3883032829"/>
       </p:ext>
     </p:extLst>
   </p:cSld>

--- a/market/market project.pptx
+++ b/market/market project.pptx
@@ -5,8 +5,8 @@
     <p:sldMasterId id="2147483648" r:id="rId1"/>
   </p:sldMasterIdLst>
   <p:sldIdLst>
-    <p:sldId id="256" r:id="rId2"/>
-    <p:sldId id="257" r:id="rId3"/>
+    <p:sldId id="257" r:id="rId2"/>
+    <p:sldId id="256" r:id="rId3"/>
     <p:sldId id="258" r:id="rId4"/>
     <p:sldId id="259" r:id="rId5"/>
     <p:sldId id="260" r:id="rId6"/>
@@ -3109,8 +3109,8 @@
         </p:nvSpPr>
         <p:spPr>
           <a:xfrm>
-            <a:off x="683568" y="1196752"/>
-            <a:ext cx="864096" cy="1296144"/>
+            <a:off x="899592" y="980728"/>
+            <a:ext cx="1584176" cy="1800200"/>
           </a:xfrm>
           <a:prstGeom prst="rect">
             <a:avLst/>
@@ -3143,44 +3143,14 @@
       </p:sp>
       <p:sp>
         <p:nvSpPr>
-          <p:cNvPr id="5" name="TextBox 4"/>
-          <p:cNvSpPr txBox="1"/>
-          <p:nvPr/>
-        </p:nvSpPr>
-        <p:spPr>
-          <a:xfrm>
-            <a:off x="623462" y="2612559"/>
-            <a:ext cx="1287660" cy="369332"/>
-          </a:xfrm>
-          <a:prstGeom prst="rect">
-            <a:avLst/>
-          </a:prstGeom>
-          <a:noFill/>
-        </p:spPr>
-        <p:txBody>
-          <a:bodyPr wrap="none" rtlCol="0">
-            <a:spAutoFit/>
-          </a:bodyPr>
-          <a:lstStyle/>
-          <a:p>
-            <a:r>
-              <a:rPr lang="en-US" dirty="0" smtClean="0"/>
-              <a:t>Product List</a:t>
-            </a:r>
-            <a:endParaRPr lang="en-US" dirty="0" smtClean="0"/>
-          </a:p>
-        </p:txBody>
-      </p:sp>
-      <p:sp>
-        <p:nvSpPr>
-          <p:cNvPr id="6" name="Rectangle 5"/>
+          <p:cNvPr id="5" name="Rectangle 4"/>
           <p:cNvSpPr/>
           <p:nvPr/>
         </p:nvSpPr>
         <p:spPr>
           <a:xfrm>
-            <a:off x="4427984" y="1232756"/>
-            <a:ext cx="1008112" cy="1224136"/>
+            <a:off x="5652120" y="836712"/>
+            <a:ext cx="1728192" cy="1800200"/>
           </a:xfrm>
           <a:prstGeom prst="rect">
             <a:avLst/>
@@ -3219,8 +3189,8 @@
         </p:nvSpPr>
         <p:spPr>
           <a:xfrm>
-            <a:off x="4385255" y="2637071"/>
-            <a:ext cx="1093569" cy="369332"/>
+            <a:off x="899592" y="3212976"/>
+            <a:ext cx="776175" cy="369332"/>
           </a:xfrm>
           <a:prstGeom prst="rect">
             <a:avLst/>
@@ -3235,24 +3205,54 @@
           <a:p>
             <a:r>
               <a:rPr lang="en-US" dirty="0" smtClean="0"/>
-              <a:t>Customer</a:t>
+              <a:t>admin</a:t>
+            </a:r>
+            <a:endParaRPr lang="en-IN" dirty="0"/>
+          </a:p>
+        </p:txBody>
+      </p:sp>
+      <p:sp>
+        <p:nvSpPr>
+          <p:cNvPr id="8" name="TextBox 7"/>
+          <p:cNvSpPr txBox="1"/>
+          <p:nvPr/>
+        </p:nvSpPr>
+        <p:spPr>
+          <a:xfrm>
+            <a:off x="5940152" y="3068960"/>
+            <a:ext cx="1108765" cy="369332"/>
+          </a:xfrm>
+          <a:prstGeom prst="rect">
+            <a:avLst/>
+          </a:prstGeom>
+          <a:noFill/>
+        </p:spPr>
+        <p:txBody>
+          <a:bodyPr wrap="none" rtlCol="0">
+            <a:spAutoFit/>
+          </a:bodyPr>
+          <a:lstStyle/>
+          <a:p>
+            <a:r>
+              <a:rPr lang="en-US" dirty="0" smtClean="0"/>
+              <a:t>Employee</a:t>
             </a:r>
           </a:p>
         </p:txBody>
       </p:sp>
       <p:cxnSp>
         <p:nvCxnSpPr>
-          <p:cNvPr id="11" name="Straight Arrow Connector 10"/>
+          <p:cNvPr id="10" name="Straight Arrow Connector 9"/>
           <p:cNvCxnSpPr>
-            <a:stCxn id="6" idx="1"/>
-            <a:endCxn id="4" idx="3"/>
+            <a:stCxn id="4" idx="3"/>
+            <a:endCxn id="5" idx="1"/>
           </p:cNvCxnSpPr>
           <p:nvPr/>
         </p:nvCxnSpPr>
         <p:spPr>
-          <a:xfrm flipH="1">
-            <a:off x="1547664" y="1844824"/>
-            <a:ext cx="2880320" cy="0"/>
+          <a:xfrm flipV="1">
+            <a:off x="2483768" y="1736812"/>
+            <a:ext cx="3168352" cy="144016"/>
           </a:xfrm>
           <a:prstGeom prst="straightConnector1">
             <a:avLst/>
@@ -3278,14 +3278,14 @@
       </p:cxnSp>
       <p:sp>
         <p:nvSpPr>
-          <p:cNvPr id="12" name="TextBox 11"/>
+          <p:cNvPr id="11" name="TextBox 10"/>
           <p:cNvSpPr txBox="1"/>
           <p:nvPr/>
         </p:nvSpPr>
         <p:spPr>
           <a:xfrm>
-            <a:off x="5796136" y="1165101"/>
-            <a:ext cx="3260573" cy="3416320"/>
+            <a:off x="755576" y="3582308"/>
+            <a:ext cx="4239174" cy="369332"/>
           </a:xfrm>
           <a:prstGeom prst="rect">
             <a:avLst/>
@@ -3300,100 +3300,26 @@
           <a:p>
             <a:r>
               <a:rPr lang="en-US" dirty="0" smtClean="0"/>
-              <a:t>ID (auto generate)</a:t>
-            </a:r>
-          </a:p>
-          <a:p>
+              <a:t>Admin can create/delete/update </a:t>
+            </a:r>
             <a:r>
               <a:rPr lang="en-US" dirty="0" smtClean="0"/>
-              <a:t>Name</a:t>
-            </a:r>
-            <a:endParaRPr lang="en-IN" dirty="0" smtClean="0"/>
-          </a:p>
-          <a:p>
-            <a:r>
-              <a:rPr lang="en-US" dirty="0" smtClean="0"/>
-              <a:t>Mobile no (unique/not null)</a:t>
-            </a:r>
-          </a:p>
-          <a:p>
-            <a:r>
-              <a:rPr lang="en-US" dirty="0" smtClean="0"/>
-              <a:t>Email (optional/send invoice)</a:t>
-            </a:r>
-          </a:p>
-          <a:p>
-            <a:r>
-              <a:rPr lang="en-US" dirty="0" smtClean="0"/>
-              <a:t>Unique customer id</a:t>
-            </a:r>
-          </a:p>
-          <a:p>
-            <a:r>
-              <a:rPr lang="en-US" dirty="0" smtClean="0"/>
-              <a:t>Payment type (card/cash)</a:t>
-            </a:r>
-          </a:p>
-          <a:p>
-            <a:r>
-              <a:rPr lang="en-US" dirty="0" smtClean="0"/>
-              <a:t>Product list</a:t>
-            </a:r>
-            <a:endParaRPr lang="en-US" dirty="0" smtClean="0"/>
-          </a:p>
-          <a:p>
-            <a:r>
-              <a:rPr lang="en-US" dirty="0" smtClean="0"/>
-              <a:t>Price</a:t>
-            </a:r>
-          </a:p>
-          <a:p>
-            <a:r>
-              <a:rPr lang="en-US" dirty="0" smtClean="0"/>
-              <a:t>Date</a:t>
-            </a:r>
-          </a:p>
-          <a:p>
-            <a:r>
-              <a:rPr lang="en-US" dirty="0" smtClean="0"/>
-              <a:t>File invoice </a:t>
-            </a:r>
-            <a:r>
-              <a:rPr lang="en-US" dirty="0" smtClean="0">
-                <a:sym typeface="Wingdings" panose="05000000000000000000" pitchFamily="2" charset="2"/>
-              </a:rPr>
-              <a:t> csv/pdf/excel/text</a:t>
-            </a:r>
-            <a:endParaRPr lang="en-US" dirty="0">
-              <a:sym typeface="Wingdings" panose="05000000000000000000" pitchFamily="2" charset="2"/>
-            </a:endParaRPr>
-          </a:p>
-          <a:p>
-            <a:r>
-              <a:rPr lang="en-US" dirty="0" smtClean="0">
-                <a:sym typeface="Wingdings" panose="05000000000000000000" pitchFamily="2" charset="2"/>
-              </a:rPr>
-              <a:t>Photo</a:t>
-            </a:r>
-          </a:p>
-          <a:p>
-            <a:r>
-              <a:rPr lang="en-US" dirty="0" smtClean="0"/>
-              <a:t>Discount (optional/on invoice)</a:t>
-            </a:r>
-          </a:p>
-        </p:txBody>
-      </p:sp>
-      <p:sp>
-        <p:nvSpPr>
-          <p:cNvPr id="15" name="TextBox 14"/>
+              <a:t>employee</a:t>
+            </a:r>
+            <a:endParaRPr lang="en-IN" dirty="0"/>
+          </a:p>
+        </p:txBody>
+      </p:sp>
+      <p:sp>
+        <p:nvSpPr>
+          <p:cNvPr id="12" name="TextBox 11"/>
           <p:cNvSpPr txBox="1"/>
           <p:nvPr/>
         </p:nvSpPr>
         <p:spPr>
           <a:xfrm>
-            <a:off x="467544" y="3356992"/>
-            <a:ext cx="1944250" cy="1477328"/>
+            <a:off x="5796136" y="3476907"/>
+            <a:ext cx="3024336" cy="1200329"/>
           </a:xfrm>
           <a:prstGeom prst="rect">
             <a:avLst/>
@@ -3401,38 +3327,20 @@
           <a:noFill/>
         </p:spPr>
         <p:txBody>
-          <a:bodyPr wrap="none" rtlCol="0">
+          <a:bodyPr wrap="square" rtlCol="0">
             <a:spAutoFit/>
           </a:bodyPr>
           <a:lstStyle/>
           <a:p>
             <a:r>
               <a:rPr lang="en-US" dirty="0" smtClean="0"/>
-              <a:t>id</a:t>
+              <a:t>* Employee can create/generate invoice/</a:t>
             </a:r>
           </a:p>
           <a:p>
             <a:r>
               <a:rPr lang="en-US" dirty="0" smtClean="0"/>
-              <a:t>Product Name</a:t>
-            </a:r>
-          </a:p>
-          <a:p>
-            <a:r>
-              <a:rPr lang="en-US" dirty="0" smtClean="0"/>
-              <a:t>Product amount</a:t>
-            </a:r>
-          </a:p>
-          <a:p>
-            <a:r>
-              <a:rPr lang="en-US" dirty="0" smtClean="0"/>
-              <a:t>Product unique id</a:t>
-            </a:r>
-          </a:p>
-          <a:p>
-            <a:r>
-              <a:rPr lang="en-US" dirty="0" smtClean="0"/>
-              <a:t>Product offer price</a:t>
+              <a:t>Create customer/update customer mobile no</a:t>
             </a:r>
             <a:endParaRPr lang="en-IN" dirty="0"/>
           </a:p>
@@ -3441,7 +3349,7 @@
     </p:spTree>
     <p:extLst>
       <p:ext uri="{BB962C8B-B14F-4D97-AF65-F5344CB8AC3E}">
-        <p14:creationId xmlns:p14="http://schemas.microsoft.com/office/powerpoint/2010/main" val="2457782267"/>
+        <p14:creationId xmlns:p14="http://schemas.microsoft.com/office/powerpoint/2010/main" val="2038493221"/>
       </p:ext>
     </p:extLst>
   </p:cSld>
@@ -3476,8 +3384,8 @@
         </p:nvSpPr>
         <p:spPr>
           <a:xfrm>
-            <a:off x="899592" y="980728"/>
-            <a:ext cx="1584176" cy="1800200"/>
+            <a:off x="683568" y="1196752"/>
+            <a:ext cx="864096" cy="1296144"/>
           </a:xfrm>
           <a:prstGeom prst="rect">
             <a:avLst/>
@@ -3510,14 +3418,43 @@
       </p:sp>
       <p:sp>
         <p:nvSpPr>
-          <p:cNvPr id="5" name="Rectangle 4"/>
+          <p:cNvPr id="5" name="TextBox 4"/>
+          <p:cNvSpPr txBox="1"/>
+          <p:nvPr/>
+        </p:nvSpPr>
+        <p:spPr>
+          <a:xfrm>
+            <a:off x="623462" y="2612559"/>
+            <a:ext cx="1287660" cy="369332"/>
+          </a:xfrm>
+          <a:prstGeom prst="rect">
+            <a:avLst/>
+          </a:prstGeom>
+          <a:noFill/>
+        </p:spPr>
+        <p:txBody>
+          <a:bodyPr wrap="none" rtlCol="0">
+            <a:spAutoFit/>
+          </a:bodyPr>
+          <a:lstStyle/>
+          <a:p>
+            <a:r>
+              <a:rPr lang="en-US" dirty="0" smtClean="0"/>
+              <a:t>Product List</a:t>
+            </a:r>
+          </a:p>
+        </p:txBody>
+      </p:sp>
+      <p:sp>
+        <p:nvSpPr>
+          <p:cNvPr id="6" name="Rectangle 5"/>
           <p:cNvSpPr/>
           <p:nvPr/>
         </p:nvSpPr>
         <p:spPr>
           <a:xfrm>
-            <a:off x="5652120" y="836712"/>
-            <a:ext cx="1728192" cy="1800200"/>
+            <a:off x="4427984" y="1232756"/>
+            <a:ext cx="1008112" cy="1224136"/>
           </a:xfrm>
           <a:prstGeom prst="rect">
             <a:avLst/>
@@ -3556,8 +3493,8 @@
         </p:nvSpPr>
         <p:spPr>
           <a:xfrm>
-            <a:off x="899592" y="3212976"/>
-            <a:ext cx="776175" cy="369332"/>
+            <a:off x="4385255" y="2637071"/>
+            <a:ext cx="1093569" cy="369332"/>
           </a:xfrm>
           <a:prstGeom prst="rect">
             <a:avLst/>
@@ -3572,54 +3509,24 @@
           <a:p>
             <a:r>
               <a:rPr lang="en-US" dirty="0" smtClean="0"/>
-              <a:t>admin</a:t>
-            </a:r>
-            <a:endParaRPr lang="en-IN" dirty="0"/>
-          </a:p>
-        </p:txBody>
-      </p:sp>
-      <p:sp>
-        <p:nvSpPr>
-          <p:cNvPr id="8" name="TextBox 7"/>
-          <p:cNvSpPr txBox="1"/>
-          <p:nvPr/>
-        </p:nvSpPr>
-        <p:spPr>
-          <a:xfrm>
-            <a:off x="5940152" y="3068960"/>
-            <a:ext cx="1108765" cy="369332"/>
-          </a:xfrm>
-          <a:prstGeom prst="rect">
-            <a:avLst/>
-          </a:prstGeom>
-          <a:noFill/>
-        </p:spPr>
-        <p:txBody>
-          <a:bodyPr wrap="none" rtlCol="0">
-            <a:spAutoFit/>
-          </a:bodyPr>
-          <a:lstStyle/>
-          <a:p>
-            <a:r>
-              <a:rPr lang="en-US" dirty="0" smtClean="0"/>
-              <a:t>Employee</a:t>
+              <a:t>Customer</a:t>
             </a:r>
           </a:p>
         </p:txBody>
       </p:sp>
       <p:cxnSp>
         <p:nvCxnSpPr>
-          <p:cNvPr id="10" name="Straight Arrow Connector 9"/>
+          <p:cNvPr id="11" name="Straight Arrow Connector 10"/>
           <p:cNvCxnSpPr>
-            <a:stCxn id="4" idx="3"/>
-            <a:endCxn id="5" idx="1"/>
+            <a:stCxn id="6" idx="1"/>
+            <a:endCxn id="4" idx="3"/>
           </p:cNvCxnSpPr>
           <p:nvPr/>
         </p:nvCxnSpPr>
         <p:spPr>
-          <a:xfrm flipV="1">
-            <a:off x="2483768" y="1736812"/>
-            <a:ext cx="3168352" cy="144016"/>
+          <a:xfrm flipH="1">
+            <a:off x="1547664" y="1844824"/>
+            <a:ext cx="2880320" cy="0"/>
           </a:xfrm>
           <a:prstGeom prst="straightConnector1">
             <a:avLst/>
@@ -3645,14 +3552,14 @@
       </p:cxnSp>
       <p:sp>
         <p:nvSpPr>
-          <p:cNvPr id="11" name="TextBox 10"/>
+          <p:cNvPr id="12" name="TextBox 11"/>
           <p:cNvSpPr txBox="1"/>
           <p:nvPr/>
         </p:nvSpPr>
         <p:spPr>
           <a:xfrm>
-            <a:off x="755576" y="3582308"/>
-            <a:ext cx="3719031" cy="369332"/>
+            <a:off x="5796136" y="1165101"/>
+            <a:ext cx="3260573" cy="3416320"/>
           </a:xfrm>
           <a:prstGeom prst="rect">
             <a:avLst/>
@@ -3667,22 +3574,99 @@
           <a:p>
             <a:r>
               <a:rPr lang="en-US" dirty="0" smtClean="0"/>
-              <a:t>Admin can create/delete/update user</a:t>
-            </a:r>
-            <a:endParaRPr lang="en-IN" dirty="0"/>
-          </a:p>
-        </p:txBody>
-      </p:sp>
-      <p:sp>
-        <p:nvSpPr>
-          <p:cNvPr id="12" name="TextBox 11"/>
+              <a:t>ID (auto generate)</a:t>
+            </a:r>
+          </a:p>
+          <a:p>
+            <a:r>
+              <a:rPr lang="en-US" dirty="0" smtClean="0"/>
+              <a:t>Name</a:t>
+            </a:r>
+            <a:endParaRPr lang="en-IN" dirty="0" smtClean="0"/>
+          </a:p>
+          <a:p>
+            <a:r>
+              <a:rPr lang="en-US" dirty="0" smtClean="0"/>
+              <a:t>Mobile no (unique/not null)</a:t>
+            </a:r>
+          </a:p>
+          <a:p>
+            <a:r>
+              <a:rPr lang="en-US" dirty="0" smtClean="0"/>
+              <a:t>Email (optional/send invoice)</a:t>
+            </a:r>
+          </a:p>
+          <a:p>
+            <a:r>
+              <a:rPr lang="en-US" dirty="0" smtClean="0"/>
+              <a:t>Unique customer id</a:t>
+            </a:r>
+          </a:p>
+          <a:p>
+            <a:r>
+              <a:rPr lang="en-US" dirty="0" smtClean="0"/>
+              <a:t>Payment type (card/cash)</a:t>
+            </a:r>
+          </a:p>
+          <a:p>
+            <a:r>
+              <a:rPr lang="en-US" dirty="0" smtClean="0"/>
+              <a:t>Product list</a:t>
+            </a:r>
+          </a:p>
+          <a:p>
+            <a:r>
+              <a:rPr lang="en-US" dirty="0" smtClean="0"/>
+              <a:t>Price</a:t>
+            </a:r>
+          </a:p>
+          <a:p>
+            <a:r>
+              <a:rPr lang="en-US" dirty="0" smtClean="0"/>
+              <a:t>Date</a:t>
+            </a:r>
+          </a:p>
+          <a:p>
+            <a:r>
+              <a:rPr lang="en-US" dirty="0" smtClean="0"/>
+              <a:t>File invoice </a:t>
+            </a:r>
+            <a:r>
+              <a:rPr lang="en-US" dirty="0" smtClean="0">
+                <a:sym typeface="Wingdings" panose="05000000000000000000" pitchFamily="2" charset="2"/>
+              </a:rPr>
+              <a:t> csv/pdf/excel/text</a:t>
+            </a:r>
+            <a:endParaRPr lang="en-US" dirty="0">
+              <a:sym typeface="Wingdings" panose="05000000000000000000" pitchFamily="2" charset="2"/>
+            </a:endParaRPr>
+          </a:p>
+          <a:p>
+            <a:r>
+              <a:rPr lang="en-US" dirty="0" smtClean="0">
+                <a:sym typeface="Wingdings" panose="05000000000000000000" pitchFamily="2" charset="2"/>
+              </a:rPr>
+              <a:t>Photo</a:t>
+            </a:r>
+          </a:p>
+          <a:p>
+            <a:r>
+              <a:rPr lang="en-US" dirty="0" smtClean="0"/>
+              <a:t>Discount (optional/on invoice)</a:t>
+            </a:r>
+          </a:p>
+        </p:txBody>
+      </p:sp>
+      <p:sp>
+        <p:nvSpPr>
+          <p:cNvPr id="15" name="TextBox 14"/>
           <p:cNvSpPr txBox="1"/>
           <p:nvPr/>
         </p:nvSpPr>
         <p:spPr>
           <a:xfrm>
-            <a:off x="5796136" y="3476907"/>
-            <a:ext cx="3024336" cy="1200329"/>
+            <a:off x="467544" y="3356992"/>
+            <a:ext cx="1944250" cy="1477328"/>
           </a:xfrm>
           <a:prstGeom prst="rect">
             <a:avLst/>
@@ -3690,28 +3674,38 @@
           <a:noFill/>
         </p:spPr>
         <p:txBody>
-          <a:bodyPr wrap="square" rtlCol="0">
+          <a:bodyPr wrap="none" rtlCol="0">
             <a:spAutoFit/>
           </a:bodyPr>
           <a:lstStyle/>
           <a:p>
             <a:r>
               <a:rPr lang="en-US" dirty="0" smtClean="0"/>
-              <a:t>* </a:t>
-            </a:r>
+              <a:t>id</a:t>
+            </a:r>
+          </a:p>
+          <a:p>
             <a:r>
               <a:rPr lang="en-US" dirty="0" smtClean="0"/>
-              <a:t>Employee can </a:t>
-            </a:r>
+              <a:t>Product Name</a:t>
+            </a:r>
+          </a:p>
+          <a:p>
             <a:r>
               <a:rPr lang="en-US" dirty="0" smtClean="0"/>
-              <a:t>create/generate invoice/</a:t>
+              <a:t>Product amount</a:t>
             </a:r>
           </a:p>
           <a:p>
             <a:r>
               <a:rPr lang="en-US" dirty="0" smtClean="0"/>
-              <a:t>Create customer/update customer mobile no</a:t>
+              <a:t>Product unique id</a:t>
+            </a:r>
+          </a:p>
+          <a:p>
+            <a:r>
+              <a:rPr lang="en-US" dirty="0" smtClean="0"/>
+              <a:t>Product offer price</a:t>
             </a:r>
             <a:endParaRPr lang="en-IN" dirty="0"/>
           </a:p>
@@ -3720,7 +3714,7 @@
     </p:spTree>
     <p:extLst>
       <p:ext uri="{BB962C8B-B14F-4D97-AF65-F5344CB8AC3E}">
-        <p14:creationId xmlns:p14="http://schemas.microsoft.com/office/powerpoint/2010/main" val="2038493221"/>
+        <p14:creationId xmlns:p14="http://schemas.microsoft.com/office/powerpoint/2010/main" val="2457782267"/>
       </p:ext>
     </p:extLst>
   </p:cSld>
